--- a/person space/实习报告_朱赫.pptx
+++ b/person space/实习报告_朱赫.pptx
@@ -5,10 +5,10 @@
     <p:sldMasterId id="2147483648" r:id="rId4"/>
   </p:sldMasterIdLst>
   <p:notesMasterIdLst>
-    <p:notesMasterId r:id="rId15"/>
+    <p:notesMasterId r:id="rId16"/>
   </p:notesMasterIdLst>
   <p:handoutMasterIdLst>
-    <p:handoutMasterId r:id="rId16"/>
+    <p:handoutMasterId r:id="rId17"/>
   </p:handoutMasterIdLst>
   <p:sldIdLst>
     <p:sldId id="2134804432" r:id="rId5"/>
@@ -18,9 +18,10 @@
     <p:sldId id="2147308090" r:id="rId9"/>
     <p:sldId id="2147308091" r:id="rId10"/>
     <p:sldId id="2147308086" r:id="rId11"/>
-    <p:sldId id="2147308088" r:id="rId12"/>
-    <p:sldId id="2147308087" r:id="rId13"/>
-    <p:sldId id="2147308089" r:id="rId14"/>
+    <p:sldId id="2147308092" r:id="rId12"/>
+    <p:sldId id="2147308088" r:id="rId13"/>
+    <p:sldId id="2147308087" r:id="rId14"/>
+    <p:sldId id="2147308089" r:id="rId15"/>
   </p:sldIdLst>
   <p:sldSz cx="14630400" cy="8229600"/>
   <p:notesSz cx="7772400" cy="14173200"/>
@@ -450,7 +451,7 @@
             <a:fld id="{73B26A0F-F4D6-9B4F-A87B-D8948CDE3BB4}" type="datetimeFigureOut">
               <a:rPr lang="en-US" smtClean="0"/>
               <a:pPr/>
-              <a:t>5/28/2023</a:t>
+              <a:t>5/31/2023</a:t>
             </a:fld>
             <a:endParaRPr lang="en-US" dirty="0"/>
           </a:p>
@@ -3698,7 +3699,7 @@
                   <a:spcPct val="50000"/>
                 </a:spcBef>
               </a:pPr>
-              <a:t>May 28, 2023</a:t>
+              <a:t>May 31, 2023</a:t>
             </a:fld>
             <a:endParaRPr lang="en-US" sz="1100" b="0" dirty="0">
               <a:solidFill>
@@ -5129,7 +5130,7 @@
                   <a:spcPct val="50000"/>
                 </a:spcBef>
               </a:pPr>
-              <a:t>May 28, 2023</a:t>
+              <a:t>May 31, 2023</a:t>
             </a:fld>
             <a:endParaRPr lang="en-US" sz="1100" b="0" dirty="0">
               <a:solidFill>
@@ -5408,7 +5409,7 @@
                   <a:spcPts val="0"/>
                 </a:spcBef>
               </a:pPr>
-              <a:t>May 28, 2023</a:t>
+              <a:t>May 31, 2023</a:t>
             </a:fld>
             <a:endParaRPr lang="en-US" sz="1100" b="0" dirty="0">
               <a:solidFill>
@@ -7080,7 +7081,7 @@
                   <a:spcPct val="50000"/>
                 </a:spcBef>
               </a:pPr>
-              <a:t>May 28, 2023</a:t>
+              <a:t>May 31, 2023</a:t>
             </a:fld>
             <a:endParaRPr lang="en-US" sz="1100" b="0" dirty="0">
               <a:solidFill>
@@ -7371,7 +7372,7 @@
                   <a:spcPts val="0"/>
                 </a:spcBef>
               </a:pPr>
-              <a:t>May 28, 2023</a:t>
+              <a:t>May 31, 2023</a:t>
             </a:fld>
             <a:endParaRPr lang="en-US" sz="1100" b="0" dirty="0">
               <a:solidFill>
@@ -8589,7 +8590,7 @@
                   <a:spcPct val="50000"/>
                 </a:spcBef>
               </a:pPr>
-              <a:t>May 28, 2023</a:t>
+              <a:t>May 31, 2023</a:t>
             </a:fld>
             <a:endParaRPr lang="en-US" sz="1100" b="0" dirty="0">
               <a:solidFill>
@@ -8868,7 +8869,7 @@
                   <a:spcPts val="0"/>
                 </a:spcBef>
               </a:pPr>
-              <a:t>May 28, 2023</a:t>
+              <a:t>May 31, 2023</a:t>
             </a:fld>
             <a:endParaRPr lang="en-US" sz="1100" b="0" dirty="0">
               <a:solidFill>
@@ -10301,7 +10302,7 @@
                   <a:spcPct val="50000"/>
                 </a:spcBef>
               </a:pPr>
-              <a:t>May 28, 2023</a:t>
+              <a:t>May 31, 2023</a:t>
             </a:fld>
             <a:endParaRPr lang="en-US" sz="1100" b="0" dirty="0">
               <a:solidFill>
@@ -17544,7 +17545,7 @@
                   <a:spcPts val="0"/>
                 </a:spcBef>
               </a:pPr>
-              <a:t>May 28, 2023</a:t>
+              <a:t>May 31, 2023</a:t>
             </a:fld>
             <a:endParaRPr lang="en-US" sz="1100" b="0" dirty="0">
               <a:solidFill>
@@ -18282,6 +18283,83 @@
           <a:chExt cx="0" cy="0"/>
         </a:xfrm>
       </p:grpSpPr>
+      <p:sp>
+        <p:nvSpPr>
+          <p:cNvPr id="2" name="Title 1">
+            <a:extLst>
+              <a:ext uri="{FF2B5EF4-FFF2-40B4-BE49-F238E27FC236}">
+                <a16:creationId xmlns:a16="http://schemas.microsoft.com/office/drawing/2014/main" id="{AF5845F6-4764-451F-B1E8-0A765B6C77B3}"/>
+              </a:ext>
+            </a:extLst>
+          </p:cNvPr>
+          <p:cNvSpPr>
+            <a:spLocks noGrp="1"/>
+          </p:cNvSpPr>
+          <p:nvPr>
+            <p:ph type="title"/>
+          </p:nvPr>
+        </p:nvSpPr>
+        <p:spPr/>
+        <p:txBody>
+          <a:bodyPr/>
+          <a:lstStyle/>
+          <a:p>
+            <a:r>
+              <a:rPr lang="zh-CN" altLang="en-US" dirty="0">
+                <a:latin typeface="Microsoft YaHei" panose="020B0503020204020204" pitchFamily="34" charset="-122"/>
+                <a:ea typeface="Microsoft YaHei" panose="020B0503020204020204" pitchFamily="34" charset="-122"/>
+              </a:rPr>
+              <a:t>目标和计划</a:t>
+            </a:r>
+            <a:endParaRPr lang="en-US" dirty="0">
+              <a:latin typeface="Microsoft YaHei" panose="020B0503020204020204" pitchFamily="34" charset="-122"/>
+              <a:ea typeface="Microsoft YaHei" panose="020B0503020204020204" pitchFamily="34" charset="-122"/>
+            </a:endParaRPr>
+          </a:p>
+        </p:txBody>
+      </p:sp>
+    </p:spTree>
+    <p:extLst>
+      <p:ext uri="{BB962C8B-B14F-4D97-AF65-F5344CB8AC3E}">
+        <p14:creationId xmlns:p14="http://schemas.microsoft.com/office/powerpoint/2010/main" val="3991832715"/>
+      </p:ext>
+    </p:extLst>
+  </p:cSld>
+  <p:clrMapOvr>
+    <a:masterClrMapping/>
+  </p:clrMapOvr>
+  <mc:AlternateContent xmlns:mc="http://schemas.openxmlformats.org/markup-compatibility/2006" xmlns:p14="http://schemas.microsoft.com/office/powerpoint/2010/main">
+    <mc:Choice Requires="p14">
+      <p:transition spd="med" p14:dur="700">
+        <p:fade/>
+      </p:transition>
+    </mc:Choice>
+    <mc:Fallback xmlns="">
+      <p:transition spd="med">
+        <p:fade/>
+      </p:transition>
+    </mc:Fallback>
+  </mc:AlternateContent>
+</p:sld>
+</file>
+
+<file path=ppt/slides/slide11.xml><?xml version="1.0" encoding="utf-8"?>
+<p:sld xmlns:a="http://schemas.openxmlformats.org/drawingml/2006/main" xmlns:r="http://schemas.openxmlformats.org/officeDocument/2006/relationships" xmlns:p="http://schemas.openxmlformats.org/presentationml/2006/main">
+  <p:cSld>
+    <p:spTree>
+      <p:nvGrpSpPr>
+        <p:cNvPr id="1" name=""/>
+        <p:cNvGrpSpPr/>
+        <p:nvPr/>
+      </p:nvGrpSpPr>
+      <p:grpSpPr>
+        <a:xfrm>
+          <a:off x="0" y="0"/>
+          <a:ext cx="0" cy="0"/>
+          <a:chOff x="0" y="0"/>
+          <a:chExt cx="0" cy="0"/>
+        </a:xfrm>
+      </p:grpSpPr>
     </p:spTree>
     <p:extLst>
       <p:ext uri="{BB962C8B-B14F-4D97-AF65-F5344CB8AC3E}">
@@ -18996,7 +19074,7 @@
                 <a:latin typeface="Arial" panose="020B0604020202020204" pitchFamily="34" charset="0"/>
                 <a:cs typeface="Arial" panose="020B0604020202020204" pitchFamily="34" charset="0"/>
               </a:rPr>
-              <a:t>等开发语言，能够独立解决问题，完成开发、测试等作业</a:t>
+              <a:t>等开发语言，能够独立解决问题，独立完成开发、测试等作业</a:t>
             </a:r>
             <a:endParaRPr lang="en-US" altLang="zh-CN" sz="2000" dirty="0">
               <a:latin typeface="Arial" panose="020B0604020202020204" pitchFamily="34" charset="0"/>
@@ -19608,7 +19686,7 @@
         <p:spPr>
           <a:xfrm>
             <a:off x="1148317" y="1863188"/>
-            <a:ext cx="11546958" cy="3570188"/>
+            <a:ext cx="11546958" cy="4042112"/>
           </a:xfrm>
           <a:prstGeom prst="rect">
             <a:avLst/>
@@ -19633,6 +19711,17 @@
               </a:rPr>
               <a:t>技术培训</a:t>
             </a:r>
+            <a:endParaRPr lang="en-US" altLang="zh-CN" sz="2400" b="1" dirty="0">
+              <a:latin typeface="Arial" panose="020B0604020202020204" pitchFamily="34" charset="0"/>
+              <a:cs typeface="Arial" panose="020B0604020202020204" pitchFamily="34" charset="0"/>
+            </a:endParaRPr>
+          </a:p>
+          <a:p>
+            <a:pPr>
+              <a:spcAft>
+                <a:spcPts val="800"/>
+              </a:spcAft>
+            </a:pPr>
             <a:endParaRPr lang="en-US" altLang="zh-CN" sz="2400" b="1" dirty="0">
               <a:latin typeface="Arial" panose="020B0604020202020204" pitchFamily="34" charset="0"/>
               <a:cs typeface="Arial" panose="020B0604020202020204" pitchFamily="34" charset="0"/>
@@ -20114,12 +20203,667 @@
           </a:p>
         </p:txBody>
       </p:sp>
+      <p:grpSp>
+        <p:nvGrpSpPr>
+          <p:cNvPr id="4" name="Group 15">
+            <a:extLst>
+              <a:ext uri="{FF2B5EF4-FFF2-40B4-BE49-F238E27FC236}">
+                <a16:creationId xmlns:a16="http://schemas.microsoft.com/office/drawing/2014/main" id="{E48051B0-A5BC-4C25-852B-16030B215659}"/>
+              </a:ext>
+            </a:extLst>
+          </p:cNvPr>
+          <p:cNvGrpSpPr/>
+          <p:nvPr/>
+        </p:nvGrpSpPr>
+        <p:grpSpPr>
+          <a:xfrm>
+            <a:off x="685798" y="2169487"/>
+            <a:ext cx="13104627" cy="1449856"/>
+            <a:chOff x="685799" y="2147627"/>
+            <a:chExt cx="12373986" cy="1167107"/>
+          </a:xfrm>
+          <a:effectLst>
+            <a:outerShdw blurRad="50800" dist="38100" dir="5400000" algn="t" rotWithShape="0">
+              <a:prstClr val="black">
+                <a:alpha val="40000"/>
+              </a:prstClr>
+            </a:outerShdw>
+          </a:effectLst>
+        </p:grpSpPr>
+        <p:sp>
+          <p:nvSpPr>
+            <p:cNvPr id="5" name="Rectangle 4">
+              <a:extLst>
+                <a:ext uri="{FF2B5EF4-FFF2-40B4-BE49-F238E27FC236}">
+                  <a16:creationId xmlns:a16="http://schemas.microsoft.com/office/drawing/2014/main" id="{2123D810-91E4-4EE0-AC47-693BCC8BF45B}"/>
+                </a:ext>
+              </a:extLst>
+            </p:cNvPr>
+            <p:cNvSpPr/>
+            <p:nvPr/>
+          </p:nvSpPr>
+          <p:spPr>
+            <a:xfrm>
+              <a:off x="685801" y="2520064"/>
+              <a:ext cx="12373984" cy="794670"/>
+            </a:xfrm>
+            <a:prstGeom prst="rect">
+              <a:avLst/>
+            </a:prstGeom>
+            <a:solidFill>
+              <a:schemeClr val="bg1"/>
+            </a:solidFill>
+            <a:ln>
+              <a:solidFill>
+                <a:schemeClr val="accent1"/>
+              </a:solidFill>
+            </a:ln>
+          </p:spPr>
+          <p:style>
+            <a:lnRef idx="0">
+              <a:schemeClr val="accent1"/>
+            </a:lnRef>
+            <a:fillRef idx="1">
+              <a:schemeClr val="accent1"/>
+            </a:fillRef>
+            <a:effectRef idx="0">
+              <a:schemeClr val="accent1"/>
+            </a:effectRef>
+            <a:fontRef idx="minor">
+              <a:schemeClr val="lt1"/>
+            </a:fontRef>
+          </p:style>
+          <p:txBody>
+            <a:bodyPr rtlCol="0" anchor="t"/>
+            <a:lstStyle/>
+            <a:p>
+              <a:pPr indent="-502920"/>
+              <a:r>
+                <a:rPr lang="zh-CN" altLang="en-US" sz="2000" dirty="0">
+                  <a:solidFill>
+                    <a:schemeClr val="tx1"/>
+                  </a:solidFill>
+                  <a:latin typeface="Microsoft YaHei" panose="020B0503020204020204" pitchFamily="34" charset="-122"/>
+                  <a:ea typeface="Microsoft YaHei" panose="020B0503020204020204" pitchFamily="34" charset="-122"/>
+                </a:rPr>
+                <a:t>从零基础到可以基本的听、说、读、写，在项目中学会了很多软件开发相关的日语词汇，可以看懂日语手顺以及式样书内容，能独立书写部分内容。</a:t>
+              </a:r>
+              <a:endParaRPr lang="en-US" sz="2000" dirty="0">
+                <a:solidFill>
+                  <a:schemeClr val="tx1"/>
+                </a:solidFill>
+                <a:latin typeface="Microsoft YaHei" panose="020B0503020204020204" pitchFamily="34" charset="-122"/>
+                <a:ea typeface="Microsoft YaHei" panose="020B0503020204020204" pitchFamily="34" charset="-122"/>
+              </a:endParaRPr>
+            </a:p>
+          </p:txBody>
+        </p:sp>
+        <p:sp>
+          <p:nvSpPr>
+            <p:cNvPr id="6" name="Rectangle: Top Corners One Rounded and One Snipped 6">
+              <a:extLst>
+                <a:ext uri="{FF2B5EF4-FFF2-40B4-BE49-F238E27FC236}">
+                  <a16:creationId xmlns:a16="http://schemas.microsoft.com/office/drawing/2014/main" id="{D5AC57B7-9B80-4DDE-A790-6620EB501B8B}"/>
+                </a:ext>
+              </a:extLst>
+            </p:cNvPr>
+            <p:cNvSpPr/>
+            <p:nvPr/>
+          </p:nvSpPr>
+          <p:spPr>
+            <a:xfrm>
+              <a:off x="685799" y="2147627"/>
+              <a:ext cx="1400548" cy="372436"/>
+            </a:xfrm>
+            <a:prstGeom prst="snipRoundRect">
+              <a:avLst/>
+            </a:prstGeom>
+            <a:ln>
+              <a:noFill/>
+            </a:ln>
+          </p:spPr>
+          <p:style>
+            <a:lnRef idx="0">
+              <a:schemeClr val="accent1"/>
+            </a:lnRef>
+            <a:fillRef idx="1">
+              <a:schemeClr val="accent1"/>
+            </a:fillRef>
+            <a:effectRef idx="0">
+              <a:schemeClr val="accent1"/>
+            </a:effectRef>
+            <a:fontRef idx="minor">
+              <a:schemeClr val="lt1"/>
+            </a:fontRef>
+          </p:style>
+          <p:txBody>
+            <a:bodyPr rtlCol="0" anchor="t"/>
+            <a:lstStyle/>
+            <a:p>
+              <a:r>
+                <a:rPr lang="zh-CN" altLang="en-US" sz="2000" dirty="0">
+                  <a:latin typeface="Microsoft YaHei" panose="020B0503020204020204" pitchFamily="34" charset="-122"/>
+                  <a:ea typeface="Microsoft YaHei" panose="020B0503020204020204" pitchFamily="34" charset="-122"/>
+                </a:rPr>
+                <a:t>日语</a:t>
+              </a:r>
+              <a:endParaRPr lang="en-US" altLang="zh-CN" sz="2000" dirty="0">
+                <a:latin typeface="Microsoft YaHei" panose="020B0503020204020204" pitchFamily="34" charset="-122"/>
+                <a:ea typeface="Microsoft YaHei" panose="020B0503020204020204" pitchFamily="34" charset="-122"/>
+              </a:endParaRPr>
+            </a:p>
+            <a:p>
+              <a:endParaRPr lang="en-US" sz="2000" dirty="0">
+                <a:latin typeface="Microsoft YaHei" panose="020B0503020204020204" pitchFamily="34" charset="-122"/>
+                <a:ea typeface="Microsoft YaHei" panose="020B0503020204020204" pitchFamily="34" charset="-122"/>
+              </a:endParaRPr>
+            </a:p>
+          </p:txBody>
+        </p:sp>
+        <p:sp>
+          <p:nvSpPr>
+            <p:cNvPr id="7" name="Rectangle: Top Corners One Rounded and One Snipped 13">
+              <a:extLst>
+                <a:ext uri="{FF2B5EF4-FFF2-40B4-BE49-F238E27FC236}">
+                  <a16:creationId xmlns:a16="http://schemas.microsoft.com/office/drawing/2014/main" id="{657760E0-80FE-4C6B-BE19-1D0261812122}"/>
+                </a:ext>
+              </a:extLst>
+            </p:cNvPr>
+            <p:cNvSpPr/>
+            <p:nvPr/>
+          </p:nvSpPr>
+          <p:spPr>
+            <a:xfrm>
+              <a:off x="2086347" y="2147627"/>
+              <a:ext cx="1507573" cy="372437"/>
+            </a:xfrm>
+            <a:prstGeom prst="snipRoundRect">
+              <a:avLst/>
+            </a:prstGeom>
+            <a:solidFill>
+              <a:schemeClr val="tx2"/>
+            </a:solidFill>
+            <a:ln>
+              <a:noFill/>
+            </a:ln>
+          </p:spPr>
+          <p:style>
+            <a:lnRef idx="0">
+              <a:schemeClr val="accent1"/>
+            </a:lnRef>
+            <a:fillRef idx="1">
+              <a:schemeClr val="accent1"/>
+            </a:fillRef>
+            <a:effectRef idx="0">
+              <a:schemeClr val="accent1"/>
+            </a:effectRef>
+            <a:fontRef idx="minor">
+              <a:schemeClr val="lt1"/>
+            </a:fontRef>
+          </p:style>
+          <p:txBody>
+            <a:bodyPr rtlCol="0" anchor="t"/>
+            <a:lstStyle/>
+            <a:p>
+              <a:r>
+                <a:rPr lang="zh-CN" altLang="en-US" sz="2000" dirty="0">
+                  <a:latin typeface="Microsoft YaHei" panose="020B0503020204020204" pitchFamily="34" charset="-122"/>
+                  <a:ea typeface="Microsoft YaHei" panose="020B0503020204020204" pitchFamily="34" charset="-122"/>
+                </a:rPr>
+                <a:t>技术</a:t>
+              </a:r>
+              <a:endParaRPr lang="en-US" sz="2000" dirty="0">
+                <a:latin typeface="Microsoft YaHei" panose="020B0503020204020204" pitchFamily="34" charset="-122"/>
+                <a:ea typeface="Microsoft YaHei" panose="020B0503020204020204" pitchFamily="34" charset="-122"/>
+              </a:endParaRPr>
+            </a:p>
+          </p:txBody>
+        </p:sp>
+      </p:grpSp>
+      <p:grpSp>
+        <p:nvGrpSpPr>
+          <p:cNvPr id="8" name="Group 16">
+            <a:extLst>
+              <a:ext uri="{FF2B5EF4-FFF2-40B4-BE49-F238E27FC236}">
+                <a16:creationId xmlns:a16="http://schemas.microsoft.com/office/drawing/2014/main" id="{D9631CF8-9394-486D-BDC0-94C79C71FFC1}"/>
+              </a:ext>
+            </a:extLst>
+          </p:cNvPr>
+          <p:cNvGrpSpPr/>
+          <p:nvPr/>
+        </p:nvGrpSpPr>
+        <p:grpSpPr>
+          <a:xfrm>
+            <a:off x="685800" y="4261308"/>
+            <a:ext cx="13104628" cy="2680050"/>
+            <a:chOff x="685800" y="5027846"/>
+            <a:chExt cx="13104628" cy="1913510"/>
+          </a:xfrm>
+          <a:effectLst>
+            <a:outerShdw blurRad="50800" dist="38100" dir="5400000" algn="t" rotWithShape="0">
+              <a:prstClr val="black">
+                <a:alpha val="40000"/>
+              </a:prstClr>
+            </a:outerShdw>
+          </a:effectLst>
+        </p:grpSpPr>
+        <p:sp>
+          <p:nvSpPr>
+            <p:cNvPr id="9" name="Rectangle 9">
+              <a:extLst>
+                <a:ext uri="{FF2B5EF4-FFF2-40B4-BE49-F238E27FC236}">
+                  <a16:creationId xmlns:a16="http://schemas.microsoft.com/office/drawing/2014/main" id="{B805E29B-2E99-4700-BDB1-CD426AE85A6D}"/>
+                </a:ext>
+              </a:extLst>
+            </p:cNvPr>
+            <p:cNvSpPr/>
+            <p:nvPr/>
+          </p:nvSpPr>
+          <p:spPr>
+            <a:xfrm>
+              <a:off x="685801" y="5362495"/>
+              <a:ext cx="13104627" cy="1578861"/>
+            </a:xfrm>
+            <a:prstGeom prst="rect">
+              <a:avLst/>
+            </a:prstGeom>
+            <a:solidFill>
+              <a:schemeClr val="bg1"/>
+            </a:solidFill>
+            <a:ln>
+              <a:solidFill>
+                <a:schemeClr val="accent1"/>
+              </a:solidFill>
+            </a:ln>
+          </p:spPr>
+          <p:style>
+            <a:lnRef idx="0">
+              <a:schemeClr val="accent1"/>
+            </a:lnRef>
+            <a:fillRef idx="1">
+              <a:schemeClr val="accent1"/>
+            </a:fillRef>
+            <a:effectRef idx="0">
+              <a:schemeClr val="accent1"/>
+            </a:effectRef>
+            <a:fontRef idx="minor">
+              <a:schemeClr val="lt1"/>
+            </a:fontRef>
+          </p:style>
+          <p:txBody>
+            <a:bodyPr rtlCol="0" anchor="t"/>
+            <a:lstStyle/>
+            <a:p>
+              <a:r>
+                <a:rPr lang="zh-CN" altLang="en-US" sz="2000" dirty="0">
+                  <a:solidFill>
+                    <a:schemeClr val="tx1"/>
+                  </a:solidFill>
+                  <a:latin typeface="Microsoft YaHei" panose="020B0503020204020204" pitchFamily="34" charset="-122"/>
+                  <a:ea typeface="Microsoft YaHei" panose="020B0503020204020204" pitchFamily="34" charset="-122"/>
+                </a:rPr>
+                <a:t>对</a:t>
+              </a:r>
+              <a:r>
+                <a:rPr lang="en-US" altLang="zh-CN" sz="2000" dirty="0">
+                  <a:solidFill>
+                    <a:schemeClr val="tx1"/>
+                  </a:solidFill>
+                  <a:latin typeface="Microsoft YaHei" panose="020B0503020204020204" pitchFamily="34" charset="-122"/>
+                  <a:ea typeface="Microsoft YaHei" panose="020B0503020204020204" pitchFamily="34" charset="-122"/>
+                </a:rPr>
+                <a:t>JAVA</a:t>
+              </a:r>
+              <a:r>
+                <a:rPr lang="zh-CN" altLang="en-US" sz="2000" dirty="0">
+                  <a:solidFill>
+                    <a:schemeClr val="tx1"/>
+                  </a:solidFill>
+                  <a:latin typeface="Microsoft YaHei" panose="020B0503020204020204" pitchFamily="34" charset="-122"/>
+                  <a:ea typeface="Microsoft YaHei" panose="020B0503020204020204" pitchFamily="34" charset="-122"/>
+                </a:rPr>
+                <a:t>、</a:t>
+              </a:r>
+              <a:r>
+                <a:rPr lang="en-US" altLang="zh-CN" sz="2000" dirty="0">
+                  <a:solidFill>
+                    <a:schemeClr val="tx1"/>
+                  </a:solidFill>
+                  <a:latin typeface="Microsoft YaHei" panose="020B0503020204020204" pitchFamily="34" charset="-122"/>
+                  <a:ea typeface="Microsoft YaHei" panose="020B0503020204020204" pitchFamily="34" charset="-122"/>
+                </a:rPr>
+                <a:t>C#</a:t>
+              </a:r>
+              <a:r>
+                <a:rPr lang="zh-CN" altLang="en-US" sz="2000" dirty="0">
+                  <a:solidFill>
+                    <a:schemeClr val="tx1"/>
+                  </a:solidFill>
+                  <a:latin typeface="Microsoft YaHei" panose="020B0503020204020204" pitchFamily="34" charset="-122"/>
+                  <a:ea typeface="Microsoft YaHei" panose="020B0503020204020204" pitchFamily="34" charset="-122"/>
+                </a:rPr>
+                <a:t>等语言掌握更加透彻，可以独立编写程序，遇到问题能够快速找出并解决程序中的</a:t>
+              </a:r>
+              <a:r>
+                <a:rPr lang="en-US" altLang="zh-CN" sz="2000" dirty="0">
+                  <a:solidFill>
+                    <a:schemeClr val="tx1"/>
+                  </a:solidFill>
+                  <a:latin typeface="Microsoft YaHei" panose="020B0503020204020204" pitchFamily="34" charset="-122"/>
+                  <a:ea typeface="Microsoft YaHei" panose="020B0503020204020204" pitchFamily="34" charset="-122"/>
+                </a:rPr>
+                <a:t>Bug</a:t>
+              </a:r>
+              <a:r>
+                <a:rPr lang="zh-CN" altLang="en-US" sz="2000" dirty="0">
+                  <a:solidFill>
+                    <a:schemeClr val="tx1"/>
+                  </a:solidFill>
+                  <a:latin typeface="Microsoft YaHei" panose="020B0503020204020204" pitchFamily="34" charset="-122"/>
+                  <a:ea typeface="Microsoft YaHei" panose="020B0503020204020204" pitchFamily="34" charset="-122"/>
+                </a:rPr>
+                <a:t>。</a:t>
+              </a:r>
+              <a:endParaRPr lang="en-US" altLang="zh-CN" sz="2000" dirty="0">
+                <a:solidFill>
+                  <a:schemeClr val="tx1"/>
+                </a:solidFill>
+                <a:latin typeface="Microsoft YaHei" panose="020B0503020204020204" pitchFamily="34" charset="-122"/>
+                <a:ea typeface="Microsoft YaHei" panose="020B0503020204020204" pitchFamily="34" charset="-122"/>
+              </a:endParaRPr>
+            </a:p>
+            <a:p>
+              <a:r>
+                <a:rPr lang="zh-CN" altLang="en-US" sz="2000" dirty="0">
+                  <a:solidFill>
+                    <a:schemeClr val="tx1"/>
+                  </a:solidFill>
+                  <a:latin typeface="Microsoft YaHei" panose="020B0503020204020204" pitchFamily="34" charset="-122"/>
+                  <a:ea typeface="Microsoft YaHei" panose="020B0503020204020204" pitchFamily="34" charset="-122"/>
+                </a:rPr>
+                <a:t>在项目中学习了</a:t>
+              </a:r>
+              <a:r>
+                <a:rPr lang="en-US" altLang="zh-CN" sz="2000" dirty="0">
+                  <a:solidFill>
+                    <a:schemeClr val="tx1"/>
+                  </a:solidFill>
+                  <a:latin typeface="Microsoft YaHei" panose="020B0503020204020204" pitchFamily="34" charset="-122"/>
+                  <a:ea typeface="Microsoft YaHei" panose="020B0503020204020204" pitchFamily="34" charset="-122"/>
+                </a:rPr>
+                <a:t>Azure Batch</a:t>
+              </a:r>
+              <a:r>
+                <a:rPr lang="zh-CN" altLang="en-US" sz="2000" dirty="0">
+                  <a:solidFill>
+                    <a:schemeClr val="tx1"/>
+                  </a:solidFill>
+                  <a:latin typeface="Microsoft YaHei" panose="020B0503020204020204" pitchFamily="34" charset="-122"/>
+                  <a:ea typeface="Microsoft YaHei" panose="020B0503020204020204" pitchFamily="34" charset="-122"/>
+                </a:rPr>
+                <a:t>等等云相关的以前未接触到的领域。</a:t>
+              </a:r>
+              <a:endParaRPr lang="en-US" altLang="zh-CN" sz="2000" dirty="0">
+                <a:solidFill>
+                  <a:schemeClr val="tx1"/>
+                </a:solidFill>
+                <a:latin typeface="Microsoft YaHei" panose="020B0503020204020204" pitchFamily="34" charset="-122"/>
+                <a:ea typeface="Microsoft YaHei" panose="020B0503020204020204" pitchFamily="34" charset="-122"/>
+              </a:endParaRPr>
+            </a:p>
+            <a:p>
+              <a:r>
+                <a:rPr lang="zh-CN" altLang="en-US" sz="2000" dirty="0">
+                  <a:solidFill>
+                    <a:schemeClr val="tx1"/>
+                  </a:solidFill>
+                  <a:latin typeface="Microsoft YaHei" panose="020B0503020204020204" pitchFamily="34" charset="-122"/>
+                  <a:ea typeface="Microsoft YaHei" panose="020B0503020204020204" pitchFamily="34" charset="-122"/>
+                </a:rPr>
+                <a:t>培训过程中学会了</a:t>
+              </a:r>
+              <a:r>
+                <a:rPr lang="en-US" altLang="zh-CN" sz="2000" dirty="0">
+                  <a:solidFill>
+                    <a:schemeClr val="tx1"/>
+                  </a:solidFill>
+                  <a:latin typeface="Microsoft YaHei" panose="020B0503020204020204" pitchFamily="34" charset="-122"/>
+                  <a:ea typeface="Microsoft YaHei" panose="020B0503020204020204" pitchFamily="34" charset="-122"/>
+                </a:rPr>
+                <a:t>SSM</a:t>
+              </a:r>
+              <a:r>
+                <a:rPr lang="zh-CN" altLang="en-US" sz="2000" dirty="0">
+                  <a:solidFill>
+                    <a:schemeClr val="tx1"/>
+                  </a:solidFill>
+                  <a:latin typeface="Microsoft YaHei" panose="020B0503020204020204" pitchFamily="34" charset="-122"/>
+                  <a:ea typeface="Microsoft YaHei" panose="020B0503020204020204" pitchFamily="34" charset="-122"/>
+                </a:rPr>
+                <a:t>框架以及</a:t>
+              </a:r>
+              <a:endParaRPr lang="en-US" altLang="zh-CN" sz="2000" dirty="0">
+                <a:solidFill>
+                  <a:schemeClr val="tx1"/>
+                </a:solidFill>
+                <a:latin typeface="Microsoft YaHei" panose="020B0503020204020204" pitchFamily="34" charset="-122"/>
+                <a:ea typeface="Microsoft YaHei" panose="020B0503020204020204" pitchFamily="34" charset="-122"/>
+              </a:endParaRPr>
+            </a:p>
+            <a:p>
+              <a:r>
+                <a:rPr lang="zh-CN" altLang="en-US" sz="2000" dirty="0">
+                  <a:solidFill>
+                    <a:schemeClr val="tx1"/>
+                  </a:solidFill>
+                  <a:latin typeface="Microsoft YaHei" panose="020B0503020204020204" pitchFamily="34" charset="-122"/>
+                  <a:ea typeface="Microsoft YaHei" panose="020B0503020204020204" pitchFamily="34" charset="-122"/>
+                </a:rPr>
+                <a:t>在理解技术难点时，比以前更加快速，</a:t>
+              </a:r>
+              <a:endParaRPr lang="en-US" altLang="zh-CN" sz="2000" dirty="0">
+                <a:solidFill>
+                  <a:schemeClr val="tx1"/>
+                </a:solidFill>
+                <a:latin typeface="Microsoft YaHei" panose="020B0503020204020204" pitchFamily="34" charset="-122"/>
+                <a:ea typeface="Microsoft YaHei" panose="020B0503020204020204" pitchFamily="34" charset="-122"/>
+              </a:endParaRPr>
+            </a:p>
+            <a:p>
+              <a:r>
+                <a:rPr lang="zh-CN" altLang="en-US" sz="2000" dirty="0">
+                  <a:solidFill>
+                    <a:schemeClr val="tx1"/>
+                  </a:solidFill>
+                  <a:latin typeface="Microsoft YaHei" panose="020B0503020204020204" pitchFamily="34" charset="-122"/>
+                  <a:ea typeface="Microsoft YaHei" panose="020B0503020204020204" pitchFamily="34" charset="-122"/>
+                </a:rPr>
+                <a:t>对</a:t>
+              </a:r>
+              <a:r>
+                <a:rPr lang="en-US" altLang="zh-CN" sz="2000" dirty="0">
+                  <a:solidFill>
+                    <a:schemeClr val="tx1"/>
+                  </a:solidFill>
+                  <a:latin typeface="Microsoft YaHei" panose="020B0503020204020204" pitchFamily="34" charset="-122"/>
+                  <a:ea typeface="Microsoft YaHei" panose="020B0503020204020204" pitchFamily="34" charset="-122"/>
+                </a:rPr>
+                <a:t>C</a:t>
+              </a:r>
+              <a:r>
+                <a:rPr lang="zh-CN" altLang="en-US" sz="2000" dirty="0">
+                  <a:solidFill>
+                    <a:schemeClr val="tx1"/>
+                  </a:solidFill>
+                  <a:latin typeface="Microsoft YaHei" panose="020B0503020204020204" pitchFamily="34" charset="-122"/>
+                  <a:ea typeface="Microsoft YaHei" panose="020B0503020204020204" pitchFamily="34" charset="-122"/>
+                </a:rPr>
+                <a:t>语言的编译以及</a:t>
+              </a:r>
+              <a:r>
+                <a:rPr lang="en-US" altLang="zh-CN" sz="2000" dirty="0">
+                  <a:solidFill>
+                    <a:schemeClr val="tx1"/>
+                  </a:solidFill>
+                  <a:latin typeface="Microsoft YaHei" panose="020B0503020204020204" pitchFamily="34" charset="-122"/>
+                  <a:ea typeface="Microsoft YaHei" panose="020B0503020204020204" pitchFamily="34" charset="-122"/>
+                </a:rPr>
+                <a:t>Linux</a:t>
+              </a:r>
+              <a:r>
+                <a:rPr lang="zh-CN" altLang="en-US" sz="2000" dirty="0">
+                  <a:solidFill>
+                    <a:schemeClr val="tx1"/>
+                  </a:solidFill>
+                  <a:latin typeface="Microsoft YaHei" panose="020B0503020204020204" pitchFamily="34" charset="-122"/>
+                  <a:ea typeface="Microsoft YaHei" panose="020B0503020204020204" pitchFamily="34" charset="-122"/>
+                </a:rPr>
+                <a:t>系统更加熟悉。</a:t>
+              </a:r>
+              <a:endParaRPr lang="en-US" sz="2000" dirty="0">
+                <a:solidFill>
+                  <a:schemeClr val="tx1"/>
+                </a:solidFill>
+                <a:latin typeface="Microsoft YaHei" panose="020B0503020204020204" pitchFamily="34" charset="-122"/>
+                <a:ea typeface="Microsoft YaHei" panose="020B0503020204020204" pitchFamily="34" charset="-122"/>
+              </a:endParaRPr>
+            </a:p>
+            <a:p>
+              <a:pPr marL="228600" lvl="1" indent="0">
+                <a:buNone/>
+              </a:pPr>
+              <a:endParaRPr lang="en-US" sz="2000" dirty="0">
+                <a:solidFill>
+                  <a:schemeClr val="tx1"/>
+                </a:solidFill>
+                <a:latin typeface="Microsoft YaHei" panose="020B0503020204020204" pitchFamily="34" charset="-122"/>
+                <a:ea typeface="Microsoft YaHei" panose="020B0503020204020204" pitchFamily="34" charset="-122"/>
+              </a:endParaRPr>
+            </a:p>
+          </p:txBody>
+        </p:sp>
+        <p:sp>
+          <p:nvSpPr>
+            <p:cNvPr id="10" name="Rectangle: Top Corners One Rounded and One Snipped 10">
+              <a:extLst>
+                <a:ext uri="{FF2B5EF4-FFF2-40B4-BE49-F238E27FC236}">
+                  <a16:creationId xmlns:a16="http://schemas.microsoft.com/office/drawing/2014/main" id="{25972FFB-1B8E-414F-A56F-B83FD127E2B4}"/>
+                </a:ext>
+              </a:extLst>
+            </p:cNvPr>
+            <p:cNvSpPr/>
+            <p:nvPr/>
+          </p:nvSpPr>
+          <p:spPr>
+            <a:xfrm>
+              <a:off x="685800" y="5027846"/>
+              <a:ext cx="1483243" cy="334647"/>
+            </a:xfrm>
+            <a:prstGeom prst="snipRoundRect">
+              <a:avLst/>
+            </a:prstGeom>
+            <a:solidFill>
+              <a:schemeClr val="tx2"/>
+            </a:solidFill>
+            <a:ln>
+              <a:noFill/>
+            </a:ln>
+          </p:spPr>
+          <p:style>
+            <a:lnRef idx="0">
+              <a:schemeClr val="accent1"/>
+            </a:lnRef>
+            <a:fillRef idx="1">
+              <a:schemeClr val="accent1"/>
+            </a:fillRef>
+            <a:effectRef idx="0">
+              <a:schemeClr val="accent1"/>
+            </a:effectRef>
+            <a:fontRef idx="minor">
+              <a:schemeClr val="lt1"/>
+            </a:fontRef>
+          </p:style>
+          <p:txBody>
+            <a:bodyPr rtlCol="0" anchor="t"/>
+            <a:lstStyle/>
+            <a:p>
+              <a:r>
+                <a:rPr lang="zh-CN" altLang="en-US" sz="2000" dirty="0">
+                  <a:latin typeface="Microsoft YaHei" panose="020B0503020204020204" pitchFamily="34" charset="-122"/>
+                  <a:ea typeface="Microsoft YaHei" panose="020B0503020204020204" pitchFamily="34" charset="-122"/>
+                </a:rPr>
+                <a:t>日语</a:t>
+              </a:r>
+              <a:endParaRPr lang="en-US" sz="2000" dirty="0">
+                <a:latin typeface="Microsoft YaHei" panose="020B0503020204020204" pitchFamily="34" charset="-122"/>
+                <a:ea typeface="Microsoft YaHei" panose="020B0503020204020204" pitchFamily="34" charset="-122"/>
+              </a:endParaRPr>
+            </a:p>
+          </p:txBody>
+        </p:sp>
+        <p:sp>
+          <p:nvSpPr>
+            <p:cNvPr id="11" name="Rectangle: Top Corners One Rounded and One Snipped 14">
+              <a:extLst>
+                <a:ext uri="{FF2B5EF4-FFF2-40B4-BE49-F238E27FC236}">
+                  <a16:creationId xmlns:a16="http://schemas.microsoft.com/office/drawing/2014/main" id="{CCC31C03-ECC8-4A55-A0FB-ECFCC2648E7C}"/>
+                </a:ext>
+              </a:extLst>
+            </p:cNvPr>
+            <p:cNvSpPr/>
+            <p:nvPr/>
+          </p:nvSpPr>
+          <p:spPr>
+            <a:xfrm>
+              <a:off x="2169043" y="5027846"/>
+              <a:ext cx="1596591" cy="338962"/>
+            </a:xfrm>
+            <a:prstGeom prst="snipRoundRect">
+              <a:avLst/>
+            </a:prstGeom>
+            <a:ln>
+              <a:noFill/>
+            </a:ln>
+          </p:spPr>
+          <p:style>
+            <a:lnRef idx="0">
+              <a:schemeClr val="accent1"/>
+            </a:lnRef>
+            <a:fillRef idx="1">
+              <a:schemeClr val="accent1"/>
+            </a:fillRef>
+            <a:effectRef idx="0">
+              <a:schemeClr val="accent1"/>
+            </a:effectRef>
+            <a:fontRef idx="minor">
+              <a:schemeClr val="lt1"/>
+            </a:fontRef>
+          </p:style>
+          <p:txBody>
+            <a:bodyPr rtlCol="0" anchor="t"/>
+            <a:lstStyle/>
+            <a:p>
+              <a:r>
+                <a:rPr lang="zh-CN" altLang="en-US" sz="2000" dirty="0">
+                  <a:latin typeface="Microsoft YaHei" panose="020B0503020204020204" pitchFamily="34" charset="-122"/>
+                  <a:ea typeface="Microsoft YaHei" panose="020B0503020204020204" pitchFamily="34" charset="-122"/>
+                </a:rPr>
+                <a:t>技术</a:t>
+              </a:r>
+              <a:endParaRPr lang="en-US" sz="2000" dirty="0">
+                <a:latin typeface="Microsoft YaHei" panose="020B0503020204020204" pitchFamily="34" charset="-122"/>
+                <a:ea typeface="Microsoft YaHei" panose="020B0503020204020204" pitchFamily="34" charset="-122"/>
+              </a:endParaRPr>
+            </a:p>
+          </p:txBody>
+        </p:sp>
+      </p:grpSp>
       <p:sp>
         <p:nvSpPr>
-          <p:cNvPr id="3" name="Speech Bubble: Rectangle 2">
+          <p:cNvPr id="16" name="Rectangle: Top Corners One Rounded and One Snipped 13">
             <a:extLst>
               <a:ext uri="{FF2B5EF4-FFF2-40B4-BE49-F238E27FC236}">
-                <a16:creationId xmlns:a16="http://schemas.microsoft.com/office/drawing/2014/main" id="{5A230E0E-3D96-40EA-89FB-BCC3DCD4090E}"/>
+                <a16:creationId xmlns:a16="http://schemas.microsoft.com/office/drawing/2014/main" id="{936CC749-E889-4038-9CE2-5E2503AF1FC3}"/>
               </a:ext>
             </a:extLst>
           </p:cNvPr>
@@ -20128,22 +20872,17 @@
         </p:nvSpPr>
         <p:spPr>
           <a:xfrm>
-            <a:off x="11902875" y="1395113"/>
-            <a:ext cx="2001230" cy="815122"/>
+            <a:off x="3765634" y="2169486"/>
+            <a:ext cx="1690864" cy="462665"/>
           </a:xfrm>
-          <a:prstGeom prst="wedgeRectCallout">
-            <a:avLst>
-              <a:gd name="adj1" fmla="val -52687"/>
-              <a:gd name="adj2" fmla="val 120833"/>
-            </a:avLst>
+          <a:prstGeom prst="snipRoundRect">
+            <a:avLst/>
           </a:prstGeom>
           <a:solidFill>
-            <a:schemeClr val="bg1"/>
+            <a:schemeClr val="tx2"/>
           </a:solidFill>
           <a:ln>
-            <a:solidFill>
-              <a:schemeClr val="accent1"/>
-            </a:solidFill>
+            <a:noFill/>
           </a:ln>
         </p:spPr>
         <p:style>
@@ -20161,27 +20900,78 @@
           </a:fontRef>
         </p:style>
         <p:txBody>
-          <a:bodyPr rtlCol="0" anchor="ctr"/>
+          <a:bodyPr rtlCol="0" anchor="t"/>
           <a:lstStyle/>
           <a:p>
             <a:r>
               <a:rPr lang="zh-CN" altLang="en-US" sz="2000" dirty="0">
-                <a:solidFill>
-                  <a:schemeClr val="tx1"/>
-                </a:solidFill>
                 <a:latin typeface="Microsoft YaHei" panose="020B0503020204020204" pitchFamily="34" charset="-122"/>
                 <a:ea typeface="Microsoft YaHei" panose="020B0503020204020204" pitchFamily="34" charset="-122"/>
-                <a:cs typeface="Arial" panose="020B0604020202020204" pitchFamily="34" charset="0"/>
               </a:rPr>
-              <a:t>一页不够可扩展</a:t>
+              <a:t>工作能力</a:t>
             </a:r>
             <a:endParaRPr lang="en-US" sz="2000" dirty="0">
-              <a:solidFill>
-                <a:schemeClr val="tx1"/>
-              </a:solidFill>
               <a:latin typeface="Microsoft YaHei" panose="020B0503020204020204" pitchFamily="34" charset="-122"/>
               <a:ea typeface="Microsoft YaHei" panose="020B0503020204020204" pitchFamily="34" charset="-122"/>
-              <a:cs typeface="Arial" panose="020B0604020202020204" pitchFamily="34" charset="0"/>
+            </a:endParaRPr>
+          </a:p>
+        </p:txBody>
+      </p:sp>
+      <p:sp>
+        <p:nvSpPr>
+          <p:cNvPr id="17" name="Rectangle: Top Corners One Rounded and One Snipped 13">
+            <a:extLst>
+              <a:ext uri="{FF2B5EF4-FFF2-40B4-BE49-F238E27FC236}">
+                <a16:creationId xmlns:a16="http://schemas.microsoft.com/office/drawing/2014/main" id="{CCA56BE8-395C-4AEA-B6A4-40D7FCC3B2BD}"/>
+              </a:ext>
+            </a:extLst>
+          </p:cNvPr>
+          <p:cNvSpPr/>
+          <p:nvPr/>
+        </p:nvSpPr>
+        <p:spPr>
+          <a:xfrm>
+            <a:off x="3765634" y="4261309"/>
+            <a:ext cx="1690864" cy="474748"/>
+          </a:xfrm>
+          <a:prstGeom prst="snipRoundRect">
+            <a:avLst/>
+          </a:prstGeom>
+          <a:solidFill>
+            <a:schemeClr val="tx2"/>
+          </a:solidFill>
+          <a:ln>
+            <a:noFill/>
+          </a:ln>
+        </p:spPr>
+        <p:style>
+          <a:lnRef idx="0">
+            <a:schemeClr val="accent1"/>
+          </a:lnRef>
+          <a:fillRef idx="1">
+            <a:schemeClr val="accent1"/>
+          </a:fillRef>
+          <a:effectRef idx="0">
+            <a:schemeClr val="accent1"/>
+          </a:effectRef>
+          <a:fontRef idx="minor">
+            <a:schemeClr val="lt1"/>
+          </a:fontRef>
+        </p:style>
+        <p:txBody>
+          <a:bodyPr rtlCol="0" anchor="t"/>
+          <a:lstStyle/>
+          <a:p>
+            <a:r>
+              <a:rPr lang="zh-CN" altLang="en-US" sz="2000" dirty="0">
+                <a:latin typeface="Microsoft YaHei" panose="020B0503020204020204" pitchFamily="34" charset="-122"/>
+                <a:ea typeface="Microsoft YaHei" panose="020B0503020204020204" pitchFamily="34" charset="-122"/>
+              </a:rPr>
+              <a:t>工作能力</a:t>
+            </a:r>
+            <a:endParaRPr lang="en-US" sz="2000" dirty="0">
+              <a:latin typeface="Microsoft YaHei" panose="020B0503020204020204" pitchFamily="34" charset="-122"/>
+              <a:ea typeface="Microsoft YaHei" panose="020B0503020204020204" pitchFamily="34" charset="-122"/>
             </a:endParaRPr>
           </a:p>
         </p:txBody>
@@ -20212,6 +21002,445 @@
 </file>
 
 <file path=ppt/slides/slide8.xml><?xml version="1.0" encoding="utf-8"?>
+<p:sld xmlns:a="http://schemas.openxmlformats.org/drawingml/2006/main" xmlns:r="http://schemas.openxmlformats.org/officeDocument/2006/relationships" xmlns:p="http://schemas.openxmlformats.org/presentationml/2006/main">
+  <p:cSld>
+    <p:spTree>
+      <p:nvGrpSpPr>
+        <p:cNvPr id="1" name=""/>
+        <p:cNvGrpSpPr/>
+        <p:nvPr/>
+      </p:nvGrpSpPr>
+      <p:grpSpPr>
+        <a:xfrm>
+          <a:off x="0" y="0"/>
+          <a:ext cx="0" cy="0"/>
+          <a:chOff x="0" y="0"/>
+          <a:chExt cx="0" cy="0"/>
+        </a:xfrm>
+      </p:grpSpPr>
+      <p:sp>
+        <p:nvSpPr>
+          <p:cNvPr id="2" name="Title 1">
+            <a:extLst>
+              <a:ext uri="{FF2B5EF4-FFF2-40B4-BE49-F238E27FC236}">
+                <a16:creationId xmlns:a16="http://schemas.microsoft.com/office/drawing/2014/main" id="{AF5845F6-4764-451F-B1E8-0A765B6C77B3}"/>
+              </a:ext>
+            </a:extLst>
+          </p:cNvPr>
+          <p:cNvSpPr>
+            <a:spLocks noGrp="1"/>
+          </p:cNvSpPr>
+          <p:nvPr>
+            <p:ph type="title"/>
+          </p:nvPr>
+        </p:nvSpPr>
+        <p:spPr/>
+        <p:txBody>
+          <a:bodyPr/>
+          <a:lstStyle/>
+          <a:p>
+            <a:r>
+              <a:rPr lang="zh-CN" altLang="en-US" dirty="0">
+                <a:latin typeface="Microsoft YaHei" panose="020B0503020204020204" pitchFamily="34" charset="-122"/>
+                <a:ea typeface="Microsoft YaHei" panose="020B0503020204020204" pitchFamily="34" charset="-122"/>
+              </a:rPr>
+              <a:t>实习期间个人成长</a:t>
+            </a:r>
+            <a:endParaRPr lang="en-US" dirty="0">
+              <a:latin typeface="Microsoft YaHei" panose="020B0503020204020204" pitchFamily="34" charset="-122"/>
+              <a:ea typeface="Microsoft YaHei" panose="020B0503020204020204" pitchFamily="34" charset="-122"/>
+            </a:endParaRPr>
+          </a:p>
+        </p:txBody>
+      </p:sp>
+      <p:grpSp>
+        <p:nvGrpSpPr>
+          <p:cNvPr id="8" name="Group 16">
+            <a:extLst>
+              <a:ext uri="{FF2B5EF4-FFF2-40B4-BE49-F238E27FC236}">
+                <a16:creationId xmlns:a16="http://schemas.microsoft.com/office/drawing/2014/main" id="{D9631CF8-9394-486D-BDC0-94C79C71FFC1}"/>
+              </a:ext>
+            </a:extLst>
+          </p:cNvPr>
+          <p:cNvGrpSpPr/>
+          <p:nvPr/>
+        </p:nvGrpSpPr>
+        <p:grpSpPr>
+          <a:xfrm>
+            <a:off x="839972" y="2057398"/>
+            <a:ext cx="13104628" cy="2680050"/>
+            <a:chOff x="685800" y="5027846"/>
+            <a:chExt cx="13104628" cy="1913510"/>
+          </a:xfrm>
+          <a:effectLst>
+            <a:outerShdw blurRad="50800" dist="38100" dir="5400000" algn="t" rotWithShape="0">
+              <a:prstClr val="black">
+                <a:alpha val="40000"/>
+              </a:prstClr>
+            </a:outerShdw>
+          </a:effectLst>
+        </p:grpSpPr>
+        <p:sp>
+          <p:nvSpPr>
+            <p:cNvPr id="9" name="Rectangle 9">
+              <a:extLst>
+                <a:ext uri="{FF2B5EF4-FFF2-40B4-BE49-F238E27FC236}">
+                  <a16:creationId xmlns:a16="http://schemas.microsoft.com/office/drawing/2014/main" id="{B805E29B-2E99-4700-BDB1-CD426AE85A6D}"/>
+                </a:ext>
+              </a:extLst>
+            </p:cNvPr>
+            <p:cNvSpPr/>
+            <p:nvPr/>
+          </p:nvSpPr>
+          <p:spPr>
+            <a:xfrm>
+              <a:off x="685801" y="5362495"/>
+              <a:ext cx="13104627" cy="1578861"/>
+            </a:xfrm>
+            <a:prstGeom prst="rect">
+              <a:avLst/>
+            </a:prstGeom>
+            <a:solidFill>
+              <a:schemeClr val="bg1"/>
+            </a:solidFill>
+            <a:ln>
+              <a:solidFill>
+                <a:schemeClr val="accent1"/>
+              </a:solidFill>
+            </a:ln>
+          </p:spPr>
+          <p:style>
+            <a:lnRef idx="0">
+              <a:schemeClr val="accent1"/>
+            </a:lnRef>
+            <a:fillRef idx="1">
+              <a:schemeClr val="accent1"/>
+            </a:fillRef>
+            <a:effectRef idx="0">
+              <a:schemeClr val="accent1"/>
+            </a:effectRef>
+            <a:fontRef idx="minor">
+              <a:schemeClr val="lt1"/>
+            </a:fontRef>
+          </p:style>
+          <p:txBody>
+            <a:bodyPr rtlCol="0" anchor="t"/>
+            <a:lstStyle/>
+            <a:p>
+              <a:pPr marL="228600" lvl="1" indent="0">
+                <a:buNone/>
+              </a:pPr>
+              <a:r>
+                <a:rPr lang="zh-CN" altLang="en-US" sz="2000" dirty="0">
+                  <a:solidFill>
+                    <a:schemeClr val="tx1"/>
+                  </a:solidFill>
+                  <a:latin typeface="Microsoft YaHei" panose="020B0503020204020204" pitchFamily="34" charset="-122"/>
+                  <a:ea typeface="Microsoft YaHei" panose="020B0503020204020204" pitchFamily="34" charset="-122"/>
+                </a:rPr>
+                <a:t>明白了对日软件工作的流程，处理自己的工作内容越来越快。</a:t>
+              </a:r>
+              <a:endParaRPr lang="en-US" altLang="zh-CN" sz="2000" dirty="0">
+                <a:solidFill>
+                  <a:schemeClr val="tx1"/>
+                </a:solidFill>
+                <a:latin typeface="Microsoft YaHei" panose="020B0503020204020204" pitchFamily="34" charset="-122"/>
+                <a:ea typeface="Microsoft YaHei" panose="020B0503020204020204" pitchFamily="34" charset="-122"/>
+              </a:endParaRPr>
+            </a:p>
+            <a:p>
+              <a:pPr marL="228600" lvl="1" indent="0">
+                <a:buNone/>
+              </a:pPr>
+              <a:r>
+                <a:rPr lang="zh-CN" altLang="en-US" sz="2000" dirty="0">
+                  <a:solidFill>
+                    <a:schemeClr val="tx1"/>
+                  </a:solidFill>
+                  <a:latin typeface="Microsoft YaHei" panose="020B0503020204020204" pitchFamily="34" charset="-122"/>
+                  <a:ea typeface="Microsoft YaHei" panose="020B0503020204020204" pitchFamily="34" charset="-122"/>
+                </a:rPr>
+                <a:t>更快的进行测试、改修工作，熟练掌握了</a:t>
+              </a:r>
+              <a:r>
+                <a:rPr lang="en-US" altLang="zh-CN" sz="2000" dirty="0">
+                  <a:solidFill>
+                    <a:schemeClr val="tx1"/>
+                  </a:solidFill>
+                  <a:latin typeface="Microsoft YaHei" panose="020B0503020204020204" pitchFamily="34" charset="-122"/>
+                  <a:ea typeface="Microsoft YaHei" panose="020B0503020204020204" pitchFamily="34" charset="-122"/>
+                </a:rPr>
+                <a:t>Debug</a:t>
+              </a:r>
+              <a:r>
+                <a:rPr lang="zh-CN" altLang="en-US" sz="2000" dirty="0">
+                  <a:solidFill>
+                    <a:schemeClr val="tx1"/>
+                  </a:solidFill>
+                  <a:latin typeface="Microsoft YaHei" panose="020B0503020204020204" pitchFamily="34" charset="-122"/>
+                  <a:ea typeface="Microsoft YaHei" panose="020B0503020204020204" pitchFamily="34" charset="-122"/>
+                </a:rPr>
+                <a:t>测试工作，能够更快的找出问题点。</a:t>
+              </a:r>
+              <a:endParaRPr lang="en-US" altLang="zh-CN" sz="2000" dirty="0">
+                <a:solidFill>
+                  <a:schemeClr val="tx1"/>
+                </a:solidFill>
+                <a:latin typeface="Microsoft YaHei" panose="020B0503020204020204" pitchFamily="34" charset="-122"/>
+                <a:ea typeface="Microsoft YaHei" panose="020B0503020204020204" pitchFamily="34" charset="-122"/>
+              </a:endParaRPr>
+            </a:p>
+            <a:p>
+              <a:pPr marL="228600" lvl="1" indent="0">
+                <a:buNone/>
+              </a:pPr>
+              <a:r>
+                <a:rPr lang="zh-CN" altLang="en-US" sz="2000" dirty="0">
+                  <a:solidFill>
+                    <a:schemeClr val="tx1"/>
+                  </a:solidFill>
+                  <a:latin typeface="Microsoft YaHei" panose="020B0503020204020204" pitchFamily="34" charset="-122"/>
+                  <a:ea typeface="Microsoft YaHei" panose="020B0503020204020204" pitchFamily="34" charset="-122"/>
+                </a:rPr>
+                <a:t>对</a:t>
+              </a:r>
+              <a:r>
+                <a:rPr lang="en-US" altLang="zh-CN" sz="2000" dirty="0">
+                  <a:solidFill>
+                    <a:schemeClr val="tx1"/>
+                  </a:solidFill>
+                  <a:latin typeface="Microsoft YaHei" panose="020B0503020204020204" pitchFamily="34" charset="-122"/>
+                  <a:ea typeface="Microsoft YaHei" panose="020B0503020204020204" pitchFamily="34" charset="-122"/>
+                </a:rPr>
+                <a:t>CW6</a:t>
+              </a:r>
+              <a:r>
+                <a:rPr lang="zh-CN" altLang="en-US" sz="2000">
+                  <a:solidFill>
+                    <a:schemeClr val="tx1"/>
+                  </a:solidFill>
+                  <a:latin typeface="Microsoft YaHei" panose="020B0503020204020204" pitchFamily="34" charset="-122"/>
+                  <a:ea typeface="Microsoft YaHei" panose="020B0503020204020204" pitchFamily="34" charset="-122"/>
+                </a:rPr>
+                <a:t>项目系统更加熟悉，在改修或测试时能够</a:t>
+              </a:r>
+              <a:endParaRPr lang="en-US" sz="2000" dirty="0">
+                <a:solidFill>
+                  <a:schemeClr val="tx1"/>
+                </a:solidFill>
+                <a:latin typeface="Microsoft YaHei" panose="020B0503020204020204" pitchFamily="34" charset="-122"/>
+                <a:ea typeface="Microsoft YaHei" panose="020B0503020204020204" pitchFamily="34" charset="-122"/>
+              </a:endParaRPr>
+            </a:p>
+          </p:txBody>
+        </p:sp>
+        <p:sp>
+          <p:nvSpPr>
+            <p:cNvPr id="10" name="Rectangle: Top Corners One Rounded and One Snipped 10">
+              <a:extLst>
+                <a:ext uri="{FF2B5EF4-FFF2-40B4-BE49-F238E27FC236}">
+                  <a16:creationId xmlns:a16="http://schemas.microsoft.com/office/drawing/2014/main" id="{25972FFB-1B8E-414F-A56F-B83FD127E2B4}"/>
+                </a:ext>
+              </a:extLst>
+            </p:cNvPr>
+            <p:cNvSpPr/>
+            <p:nvPr/>
+          </p:nvSpPr>
+          <p:spPr>
+            <a:xfrm>
+              <a:off x="685800" y="5027846"/>
+              <a:ext cx="1483243" cy="334647"/>
+            </a:xfrm>
+            <a:prstGeom prst="snipRoundRect">
+              <a:avLst/>
+            </a:prstGeom>
+            <a:solidFill>
+              <a:schemeClr val="tx2"/>
+            </a:solidFill>
+            <a:ln>
+              <a:noFill/>
+            </a:ln>
+          </p:spPr>
+          <p:style>
+            <a:lnRef idx="0">
+              <a:schemeClr val="accent1"/>
+            </a:lnRef>
+            <a:fillRef idx="1">
+              <a:schemeClr val="accent1"/>
+            </a:fillRef>
+            <a:effectRef idx="0">
+              <a:schemeClr val="accent1"/>
+            </a:effectRef>
+            <a:fontRef idx="minor">
+              <a:schemeClr val="lt1"/>
+            </a:fontRef>
+          </p:style>
+          <p:txBody>
+            <a:bodyPr rtlCol="0" anchor="t"/>
+            <a:lstStyle/>
+            <a:p>
+              <a:r>
+                <a:rPr lang="zh-CN" altLang="en-US" sz="2000" dirty="0">
+                  <a:latin typeface="Microsoft YaHei" panose="020B0503020204020204" pitchFamily="34" charset="-122"/>
+                  <a:ea typeface="Microsoft YaHei" panose="020B0503020204020204" pitchFamily="34" charset="-122"/>
+                </a:rPr>
+                <a:t>日语</a:t>
+              </a:r>
+              <a:endParaRPr lang="en-US" sz="2000" dirty="0">
+                <a:latin typeface="Microsoft YaHei" panose="020B0503020204020204" pitchFamily="34" charset="-122"/>
+                <a:ea typeface="Microsoft YaHei" panose="020B0503020204020204" pitchFamily="34" charset="-122"/>
+              </a:endParaRPr>
+            </a:p>
+          </p:txBody>
+        </p:sp>
+        <p:sp>
+          <p:nvSpPr>
+            <p:cNvPr id="11" name="Rectangle: Top Corners One Rounded and One Snipped 14">
+              <a:extLst>
+                <a:ext uri="{FF2B5EF4-FFF2-40B4-BE49-F238E27FC236}">
+                  <a16:creationId xmlns:a16="http://schemas.microsoft.com/office/drawing/2014/main" id="{CCC31C03-ECC8-4A55-A0FB-ECFCC2648E7C}"/>
+                </a:ext>
+              </a:extLst>
+            </p:cNvPr>
+            <p:cNvSpPr/>
+            <p:nvPr/>
+          </p:nvSpPr>
+          <p:spPr>
+            <a:xfrm>
+              <a:off x="3859907" y="5027847"/>
+              <a:ext cx="1596591" cy="338962"/>
+            </a:xfrm>
+            <a:prstGeom prst="snipRoundRect">
+              <a:avLst/>
+            </a:prstGeom>
+            <a:ln>
+              <a:noFill/>
+            </a:ln>
+          </p:spPr>
+          <p:style>
+            <a:lnRef idx="0">
+              <a:schemeClr val="accent1"/>
+            </a:lnRef>
+            <a:fillRef idx="1">
+              <a:schemeClr val="accent1"/>
+            </a:fillRef>
+            <a:effectRef idx="0">
+              <a:schemeClr val="accent1"/>
+            </a:effectRef>
+            <a:fontRef idx="minor">
+              <a:schemeClr val="lt1"/>
+            </a:fontRef>
+          </p:style>
+          <p:txBody>
+            <a:bodyPr rtlCol="0" anchor="t"/>
+            <a:lstStyle/>
+            <a:p>
+              <a:r>
+                <a:rPr lang="zh-CN" altLang="en-US" sz="2000" dirty="0">
+                  <a:latin typeface="Microsoft YaHei" panose="020B0503020204020204" pitchFamily="34" charset="-122"/>
+                  <a:ea typeface="Microsoft YaHei" panose="020B0503020204020204" pitchFamily="34" charset="-122"/>
+                </a:rPr>
+                <a:t>工作能力</a:t>
+              </a:r>
+              <a:endParaRPr lang="en-US" sz="2000" dirty="0">
+                <a:latin typeface="Microsoft YaHei" panose="020B0503020204020204" pitchFamily="34" charset="-122"/>
+                <a:ea typeface="Microsoft YaHei" panose="020B0503020204020204" pitchFamily="34" charset="-122"/>
+              </a:endParaRPr>
+            </a:p>
+          </p:txBody>
+        </p:sp>
+      </p:grpSp>
+      <p:sp>
+        <p:nvSpPr>
+          <p:cNvPr id="17" name="Rectangle: Top Corners One Rounded and One Snipped 13">
+            <a:extLst>
+              <a:ext uri="{FF2B5EF4-FFF2-40B4-BE49-F238E27FC236}">
+                <a16:creationId xmlns:a16="http://schemas.microsoft.com/office/drawing/2014/main" id="{CCA56BE8-395C-4AEA-B6A4-40D7FCC3B2BD}"/>
+              </a:ext>
+            </a:extLst>
+          </p:cNvPr>
+          <p:cNvSpPr/>
+          <p:nvPr/>
+        </p:nvSpPr>
+        <p:spPr>
+          <a:xfrm>
+            <a:off x="2323215" y="2057399"/>
+            <a:ext cx="1690864" cy="474748"/>
+          </a:xfrm>
+          <a:prstGeom prst="snipRoundRect">
+            <a:avLst/>
+          </a:prstGeom>
+          <a:solidFill>
+            <a:schemeClr val="tx2"/>
+          </a:solidFill>
+          <a:ln>
+            <a:noFill/>
+          </a:ln>
+        </p:spPr>
+        <p:style>
+          <a:lnRef idx="0">
+            <a:schemeClr val="accent1"/>
+          </a:lnRef>
+          <a:fillRef idx="1">
+            <a:schemeClr val="accent1"/>
+          </a:fillRef>
+          <a:effectRef idx="0">
+            <a:schemeClr val="accent1"/>
+          </a:effectRef>
+          <a:fontRef idx="minor">
+            <a:schemeClr val="lt1"/>
+          </a:fontRef>
+        </p:style>
+        <p:txBody>
+          <a:bodyPr rtlCol="0" anchor="t"/>
+          <a:lstStyle/>
+          <a:p>
+            <a:r>
+              <a:rPr lang="zh-CN" altLang="en-US" sz="2000" dirty="0">
+                <a:latin typeface="Microsoft YaHei" panose="020B0503020204020204" pitchFamily="34" charset="-122"/>
+                <a:ea typeface="Microsoft YaHei" panose="020B0503020204020204" pitchFamily="34" charset="-122"/>
+              </a:rPr>
+              <a:t>技术</a:t>
+            </a:r>
+            <a:endParaRPr lang="en-US" altLang="zh-CN" sz="2000" dirty="0">
+              <a:latin typeface="Microsoft YaHei" panose="020B0503020204020204" pitchFamily="34" charset="-122"/>
+              <a:ea typeface="Microsoft YaHei" panose="020B0503020204020204" pitchFamily="34" charset="-122"/>
+            </a:endParaRPr>
+          </a:p>
+          <a:p>
+            <a:endParaRPr lang="en-US" sz="2000" dirty="0">
+              <a:latin typeface="Microsoft YaHei" panose="020B0503020204020204" pitchFamily="34" charset="-122"/>
+              <a:ea typeface="Microsoft YaHei" panose="020B0503020204020204" pitchFamily="34" charset="-122"/>
+            </a:endParaRPr>
+          </a:p>
+        </p:txBody>
+      </p:sp>
+    </p:spTree>
+    <p:extLst>
+      <p:ext uri="{BB962C8B-B14F-4D97-AF65-F5344CB8AC3E}">
+        <p14:creationId xmlns:p14="http://schemas.microsoft.com/office/powerpoint/2010/main" val="1883448275"/>
+      </p:ext>
+    </p:extLst>
+  </p:cSld>
+  <p:clrMapOvr>
+    <a:masterClrMapping/>
+  </p:clrMapOvr>
+  <mc:AlternateContent xmlns:mc="http://schemas.openxmlformats.org/markup-compatibility/2006" xmlns:p14="http://schemas.microsoft.com/office/powerpoint/2010/main">
+    <mc:Choice Requires="p14">
+      <p:transition spd="med" p14:dur="700">
+        <p:fade/>
+      </p:transition>
+    </mc:Choice>
+    <mc:Fallback xmlns="">
+      <p:transition spd="med">
+        <p:fade/>
+      </p:transition>
+    </mc:Fallback>
+  </mc:AlternateContent>
+</p:sld>
+</file>
+
+<file path=ppt/slides/slide9.xml><?xml version="1.0" encoding="utf-8"?>
 <p:sld xmlns:a="http://schemas.openxmlformats.org/drawingml/2006/main" xmlns:r="http://schemas.openxmlformats.org/officeDocument/2006/relationships" xmlns:p="http://schemas.openxmlformats.org/presentationml/2006/main">
   <p:cSld>
     <p:spTree>
@@ -20339,83 +21568,6 @@
     <p:extLst>
       <p:ext uri="{BB962C8B-B14F-4D97-AF65-F5344CB8AC3E}">
         <p14:creationId xmlns:p14="http://schemas.microsoft.com/office/powerpoint/2010/main" val="3007454038"/>
-      </p:ext>
-    </p:extLst>
-  </p:cSld>
-  <p:clrMapOvr>
-    <a:masterClrMapping/>
-  </p:clrMapOvr>
-  <mc:AlternateContent xmlns:mc="http://schemas.openxmlformats.org/markup-compatibility/2006" xmlns:p14="http://schemas.microsoft.com/office/powerpoint/2010/main">
-    <mc:Choice Requires="p14">
-      <p:transition spd="med" p14:dur="700">
-        <p:fade/>
-      </p:transition>
-    </mc:Choice>
-    <mc:Fallback xmlns="">
-      <p:transition spd="med">
-        <p:fade/>
-      </p:transition>
-    </mc:Fallback>
-  </mc:AlternateContent>
-</p:sld>
-</file>
-
-<file path=ppt/slides/slide9.xml><?xml version="1.0" encoding="utf-8"?>
-<p:sld xmlns:a="http://schemas.openxmlformats.org/drawingml/2006/main" xmlns:r="http://schemas.openxmlformats.org/officeDocument/2006/relationships" xmlns:p="http://schemas.openxmlformats.org/presentationml/2006/main">
-  <p:cSld>
-    <p:spTree>
-      <p:nvGrpSpPr>
-        <p:cNvPr id="1" name=""/>
-        <p:cNvGrpSpPr/>
-        <p:nvPr/>
-      </p:nvGrpSpPr>
-      <p:grpSpPr>
-        <a:xfrm>
-          <a:off x="0" y="0"/>
-          <a:ext cx="0" cy="0"/>
-          <a:chOff x="0" y="0"/>
-          <a:chExt cx="0" cy="0"/>
-        </a:xfrm>
-      </p:grpSpPr>
-      <p:sp>
-        <p:nvSpPr>
-          <p:cNvPr id="2" name="Title 1">
-            <a:extLst>
-              <a:ext uri="{FF2B5EF4-FFF2-40B4-BE49-F238E27FC236}">
-                <a16:creationId xmlns:a16="http://schemas.microsoft.com/office/drawing/2014/main" id="{AF5845F6-4764-451F-B1E8-0A765B6C77B3}"/>
-              </a:ext>
-            </a:extLst>
-          </p:cNvPr>
-          <p:cNvSpPr>
-            <a:spLocks noGrp="1"/>
-          </p:cNvSpPr>
-          <p:nvPr>
-            <p:ph type="title"/>
-          </p:nvPr>
-        </p:nvSpPr>
-        <p:spPr/>
-        <p:txBody>
-          <a:bodyPr/>
-          <a:lstStyle/>
-          <a:p>
-            <a:r>
-              <a:rPr lang="zh-CN" altLang="en-US" dirty="0">
-                <a:latin typeface="Microsoft YaHei" panose="020B0503020204020204" pitchFamily="34" charset="-122"/>
-                <a:ea typeface="Microsoft YaHei" panose="020B0503020204020204" pitchFamily="34" charset="-122"/>
-              </a:rPr>
-              <a:t>目标和计划</a:t>
-            </a:r>
-            <a:endParaRPr lang="en-US" dirty="0">
-              <a:latin typeface="Microsoft YaHei" panose="020B0503020204020204" pitchFamily="34" charset="-122"/>
-              <a:ea typeface="Microsoft YaHei" panose="020B0503020204020204" pitchFamily="34" charset="-122"/>
-            </a:endParaRPr>
-          </a:p>
-        </p:txBody>
-      </p:sp>
-    </p:spTree>
-    <p:extLst>
-      <p:ext uri="{BB962C8B-B14F-4D97-AF65-F5344CB8AC3E}">
-        <p14:creationId xmlns:p14="http://schemas.microsoft.com/office/powerpoint/2010/main" val="3991832715"/>
       </p:ext>
     </p:extLst>
   </p:cSld>
@@ -21326,21 +22478,6 @@
 </file>
 
 <file path=customXml/item1.xml><?xml version="1.0" encoding="utf-8"?>
-<?mso-contentType ?>
-<FormTemplates xmlns="http://schemas.microsoft.com/sharepoint/v3/contenttype/forms">
-  <Display>DocumentLibraryForm</Display>
-  <Edit>DocumentLibraryForm</Edit>
-  <New>DocumentLibraryForm</New>
-</FormTemplates>
-</file>
-
-<file path=customXml/item2.xml><?xml version="1.0" encoding="utf-8"?>
-<p:properties xmlns:p="http://schemas.microsoft.com/office/2006/metadata/properties" xmlns:xsi="http://www.w3.org/2001/XMLSchema-instance" xmlns:pc="http://schemas.microsoft.com/office/infopath/2007/PartnerControls">
-  <documentManagement/>
-</p:properties>
-</file>
-
-<file path=customXml/item3.xml><?xml version="1.0" encoding="utf-8"?>
 <ct:contentTypeSchema xmlns:ct="http://schemas.microsoft.com/office/2006/metadata/contentType" xmlns:ma="http://schemas.microsoft.com/office/2006/metadata/properties/metaAttributes" ct:_="" ma:_="" ma:contentTypeName="Document" ma:contentTypeID="0x010100916F182140194F4A8CCC57EE77F8793D" ma:contentTypeVersion="4" ma:contentTypeDescription="Create a new document." ma:contentTypeScope="" ma:versionID="f24d8051ee861718e22b0ae7423b30c7">
   <xsd:schema xmlns:xsd="http://www.w3.org/2001/XMLSchema" xmlns:xs="http://www.w3.org/2001/XMLSchema" xmlns:p="http://schemas.microsoft.com/office/2006/metadata/properties" xmlns:ns2="f228489a-dcf5-4b36-becb-e077c37c524e" targetNamespace="http://schemas.microsoft.com/office/2006/metadata/properties" ma:root="true" ma:fieldsID="3e265d2d88944d89f3255ee9925721a9" ns2:_="">
     <xsd:import namespace="f228489a-dcf5-4b36-becb-e077c37c524e"/>
@@ -21486,24 +22623,22 @@
 </ct:contentTypeSchema>
 </file>
 
-<file path=customXml/itemProps1.xml><?xml version="1.0" encoding="utf-8"?>
-<ds:datastoreItem xmlns:ds="http://schemas.openxmlformats.org/officeDocument/2006/customXml" ds:itemID="{9774891E-6564-4958-A4CF-188F7360FC52}">
-  <ds:schemaRefs>
-    <ds:schemaRef ds:uri="http://schemas.microsoft.com/sharepoint/v3/contenttype/forms"/>
-  </ds:schemaRefs>
-</ds:datastoreItem>
+<file path=customXml/item2.xml><?xml version="1.0" encoding="utf-8"?>
+<p:properties xmlns:p="http://schemas.microsoft.com/office/2006/metadata/properties" xmlns:xsi="http://www.w3.org/2001/XMLSchema-instance" xmlns:pc="http://schemas.microsoft.com/office/infopath/2007/PartnerControls">
+  <documentManagement/>
+</p:properties>
 </file>
 
-<file path=customXml/itemProps2.xml><?xml version="1.0" encoding="utf-8"?>
-<ds:datastoreItem xmlns:ds="http://schemas.openxmlformats.org/officeDocument/2006/customXml" ds:itemID="{F9E3DFC7-539B-4B55-9D4E-50BDD86210B4}">
-  <ds:schemaRefs>
-    <ds:schemaRef ds:uri="http://schemas.microsoft.com/office/2006/metadata/properties"/>
-    <ds:schemaRef ds:uri="http://schemas.microsoft.com/office/infopath/2007/PartnerControls"/>
-  </ds:schemaRefs>
-</ds:datastoreItem>
+<file path=customXml/item3.xml><?xml version="1.0" encoding="utf-8"?>
+<?mso-contentType ?>
+<FormTemplates xmlns="http://schemas.microsoft.com/sharepoint/v3/contenttype/forms">
+  <Display>DocumentLibraryForm</Display>
+  <Edit>DocumentLibraryForm</Edit>
+  <New>DocumentLibraryForm</New>
+</FormTemplates>
 </file>
 
-<file path=customXml/itemProps3.xml><?xml version="1.0" encoding="utf-8"?>
+<file path=customXml/itemProps1.xml><?xml version="1.0" encoding="utf-8"?>
 <ds:datastoreItem xmlns:ds="http://schemas.openxmlformats.org/officeDocument/2006/customXml" ds:itemID="{25BBF9B6-64C3-4607-AD5B-D62FD888A901}">
   <ds:schemaRefs>
     <ds:schemaRef ds:uri="http://schemas.microsoft.com/office/2006/metadata/contentType"/>
@@ -21519,4 +22654,21 @@
     <ds:schemaRef ds:uri="http://schemas.microsoft.com/internal/obd"/>
   </ds:schemaRefs>
 </ds:datastoreItem>
+</file>
+
+<file path=customXml/itemProps2.xml><?xml version="1.0" encoding="utf-8"?>
+<ds:datastoreItem xmlns:ds="http://schemas.openxmlformats.org/officeDocument/2006/customXml" ds:itemID="{F9E3DFC7-539B-4B55-9D4E-50BDD86210B4}">
+  <ds:schemaRefs>
+    <ds:schemaRef ds:uri="http://schemas.microsoft.com/office/2006/metadata/properties"/>
+    <ds:schemaRef ds:uri="http://schemas.microsoft.com/office/infopath/2007/PartnerControls"/>
+  </ds:schemaRefs>
+</ds:datastoreItem>
+</file>
+
+<file path=customXml/itemProps3.xml><?xml version="1.0" encoding="utf-8"?>
+<ds:datastoreItem xmlns:ds="http://schemas.openxmlformats.org/officeDocument/2006/customXml" ds:itemID="{9774891E-6564-4958-A4CF-188F7360FC52}">
+  <ds:schemaRefs>
+    <ds:schemaRef ds:uri="http://schemas.microsoft.com/sharepoint/v3/contenttype/forms"/>
+  </ds:schemaRefs>
+</ds:datastoreItem>
 </file>